--- a/PriceMoinitoringDesign.pptx
+++ b/PriceMoinitoringDesign.pptx
@@ -204,7 +204,7 @@
           <a:p>
             <a:fld id="{822F189D-D7C4-2B4B-BA7D-F542C8765D31}" type="datetimeFigureOut">
               <a:rPr lang="en-US" smtClean="0"/>
-              <a:t>5/27/17</a:t>
+              <a:t>5/30/17</a:t>
             </a:fld>
             <a:endParaRPr lang="en-US"/>
           </a:p>
@@ -603,7 +603,7 @@
           <a:p>
             <a:fld id="{FE13B3C1-B50E-B844-B5EC-A0E6C3AA92EA}" type="datetimeFigureOut">
               <a:rPr lang="en-US" smtClean="0"/>
-              <a:t>5/27/17</a:t>
+              <a:t>5/30/17</a:t>
             </a:fld>
             <a:endParaRPr lang="en-US"/>
           </a:p>
@@ -773,7 +773,7 @@
           <a:p>
             <a:fld id="{FE13B3C1-B50E-B844-B5EC-A0E6C3AA92EA}" type="datetimeFigureOut">
               <a:rPr lang="en-US" smtClean="0"/>
-              <a:t>5/27/17</a:t>
+              <a:t>5/30/17</a:t>
             </a:fld>
             <a:endParaRPr lang="en-US"/>
           </a:p>
@@ -953,7 +953,7 @@
           <a:p>
             <a:fld id="{FE13B3C1-B50E-B844-B5EC-A0E6C3AA92EA}" type="datetimeFigureOut">
               <a:rPr lang="en-US" smtClean="0"/>
-              <a:t>5/27/17</a:t>
+              <a:t>5/30/17</a:t>
             </a:fld>
             <a:endParaRPr lang="en-US"/>
           </a:p>
@@ -1123,7 +1123,7 @@
           <a:p>
             <a:fld id="{FE13B3C1-B50E-B844-B5EC-A0E6C3AA92EA}" type="datetimeFigureOut">
               <a:rPr lang="en-US" smtClean="0"/>
-              <a:t>5/27/17</a:t>
+              <a:t>5/30/17</a:t>
             </a:fld>
             <a:endParaRPr lang="en-US"/>
           </a:p>
@@ -1369,7 +1369,7 @@
           <a:p>
             <a:fld id="{FE13B3C1-B50E-B844-B5EC-A0E6C3AA92EA}" type="datetimeFigureOut">
               <a:rPr lang="en-US" smtClean="0"/>
-              <a:t>5/27/17</a:t>
+              <a:t>5/30/17</a:t>
             </a:fld>
             <a:endParaRPr lang="en-US"/>
           </a:p>
@@ -1601,7 +1601,7 @@
           <a:p>
             <a:fld id="{FE13B3C1-B50E-B844-B5EC-A0E6C3AA92EA}" type="datetimeFigureOut">
               <a:rPr lang="en-US" smtClean="0"/>
-              <a:t>5/27/17</a:t>
+              <a:t>5/30/17</a:t>
             </a:fld>
             <a:endParaRPr lang="en-US"/>
           </a:p>
@@ -1968,7 +1968,7 @@
           <a:p>
             <a:fld id="{FE13B3C1-B50E-B844-B5EC-A0E6C3AA92EA}" type="datetimeFigureOut">
               <a:rPr lang="en-US" smtClean="0"/>
-              <a:t>5/27/17</a:t>
+              <a:t>5/30/17</a:t>
             </a:fld>
             <a:endParaRPr lang="en-US"/>
           </a:p>
@@ -2086,7 +2086,7 @@
           <a:p>
             <a:fld id="{FE13B3C1-B50E-B844-B5EC-A0E6C3AA92EA}" type="datetimeFigureOut">
               <a:rPr lang="en-US" smtClean="0"/>
-              <a:t>5/27/17</a:t>
+              <a:t>5/30/17</a:t>
             </a:fld>
             <a:endParaRPr lang="en-US"/>
           </a:p>
@@ -2181,7 +2181,7 @@
           <a:p>
             <a:fld id="{FE13B3C1-B50E-B844-B5EC-A0E6C3AA92EA}" type="datetimeFigureOut">
               <a:rPr lang="en-US" smtClean="0"/>
-              <a:t>5/27/17</a:t>
+              <a:t>5/30/17</a:t>
             </a:fld>
             <a:endParaRPr lang="en-US"/>
           </a:p>
@@ -2458,7 +2458,7 @@
           <a:p>
             <a:fld id="{FE13B3C1-B50E-B844-B5EC-A0E6C3AA92EA}" type="datetimeFigureOut">
               <a:rPr lang="en-US" smtClean="0"/>
-              <a:t>5/27/17</a:t>
+              <a:t>5/30/17</a:t>
             </a:fld>
             <a:endParaRPr lang="en-US"/>
           </a:p>
@@ -2711,7 +2711,7 @@
           <a:p>
             <a:fld id="{FE13B3C1-B50E-B844-B5EC-A0E6C3AA92EA}" type="datetimeFigureOut">
               <a:rPr lang="en-US" smtClean="0"/>
-              <a:t>5/27/17</a:t>
+              <a:t>5/30/17</a:t>
             </a:fld>
             <a:endParaRPr lang="en-US"/>
           </a:p>
@@ -2924,7 +2924,7 @@
           <a:p>
             <a:fld id="{FE13B3C1-B50E-B844-B5EC-A0E6C3AA92EA}" type="datetimeFigureOut">
               <a:rPr lang="en-US" smtClean="0"/>
-              <a:t>5/27/17</a:t>
+              <a:t>5/30/17</a:t>
             </a:fld>
             <a:endParaRPr lang="en-US"/>
           </a:p>
@@ -3353,15 +3353,7 @@
           <a:p>
             <a:r>
               <a:rPr lang="en-US" dirty="0" smtClean="0"/>
-              <a:t>Category </a:t>
-            </a:r>
-            <a:r>
-              <a:rPr lang="en-US" dirty="0" smtClean="0"/>
-              <a:t>Crawling </a:t>
-            </a:r>
-            <a:r>
-              <a:rPr lang="en-US" dirty="0" smtClean="0"/>
-              <a:t>Flow</a:t>
+              <a:t>Category Crawling Flow</a:t>
             </a:r>
             <a:endParaRPr lang="en-US" dirty="0"/>
           </a:p>
@@ -4355,11 +4347,7 @@
             </a:r>
             <a:r>
               <a:rPr lang="en-US" dirty="0" smtClean="0"/>
-              <a:t>, </a:t>
-            </a:r>
-            <a:r>
-              <a:rPr lang="en-US" dirty="0" smtClean="0"/>
-              <a:t>title, </a:t>
+              <a:t>, title, </a:t>
             </a:r>
             <a:r>
               <a:rPr lang="en-US" dirty="0" err="1" smtClean="0"/>
@@ -6521,16 +6509,24 @@
               <a:t>: </a:t>
             </a:r>
             <a:r>
-              <a:rPr lang="en-US" dirty="0">
-                <a:hlinkClick r:id="rId2"/>
-              </a:rPr>
-              <a:t>https://www.amazon.com</a:t>
-            </a:r>
-            <a:r>
-              <a:rPr lang="en-US" dirty="0" smtClean="0">
-                <a:hlinkClick r:id="rId2"/>
-              </a:rPr>
-              <a:t>/</a:t>
+              <a:rPr lang="en-US" dirty="0"/>
+              <a:t>https://</a:t>
+            </a:r>
+            <a:r>
+              <a:rPr lang="en-US" dirty="0" err="1"/>
+              <a:t>www.amazon.com</a:t>
+            </a:r>
+            <a:r>
+              <a:rPr lang="en-US" dirty="0"/>
+              <a:t>/s/ref=nb_sb_noss_2?url=search-alias=</a:t>
+            </a:r>
+            <a:r>
+              <a:rPr lang="en-US" dirty="0" err="1"/>
+              <a:t>aps&amp;field-keywords</a:t>
+            </a:r>
+            <a:r>
+              <a:rPr lang="en-US" dirty="0"/>
+              <a:t>=-12345</a:t>
             </a:r>
             <a:endParaRPr lang="en-US" dirty="0" smtClean="0"/>
           </a:p>

--- a/PriceMoinitoringDesign.pptx
+++ b/PriceMoinitoringDesign.pptx
@@ -3395,7 +3395,7 @@
         </p:nvSpPr>
         <p:spPr>
           <a:xfrm>
-            <a:off x="1632030" y="1886673"/>
+            <a:off x="3152075" y="1969798"/>
             <a:ext cx="1944547" cy="833378"/>
           </a:xfrm>
           <a:prstGeom prst="rect">
@@ -3439,7 +3439,7 @@
         </p:nvSpPr>
         <p:spPr>
           <a:xfrm>
-            <a:off x="4365585" y="1713054"/>
+            <a:off x="5885630" y="1796179"/>
             <a:ext cx="2741271" cy="1160775"/>
           </a:xfrm>
           <a:prstGeom prst="rect">
@@ -3486,7 +3486,7 @@
         </p:nvCxnSpPr>
         <p:spPr>
           <a:xfrm flipV="1">
-            <a:off x="3576577" y="2293442"/>
+            <a:off x="5096622" y="2376567"/>
             <a:ext cx="789008" cy="9920"/>
           </a:xfrm>
           <a:prstGeom prst="straightConnector1">
@@ -3519,7 +3519,7 @@
         </p:nvSpPr>
         <p:spPr>
           <a:xfrm>
-            <a:off x="5122762" y="3385591"/>
+            <a:off x="6642807" y="3468716"/>
             <a:ext cx="1226916" cy="1055779"/>
           </a:xfrm>
           <a:prstGeom prst="flowChartMagneticDisk">
@@ -3566,7 +3566,7 @@
         </p:nvCxnSpPr>
         <p:spPr>
           <a:xfrm flipH="1">
-            <a:off x="5736220" y="2873829"/>
+            <a:off x="7256265" y="2956954"/>
             <a:ext cx="1" cy="511762"/>
           </a:xfrm>
           <a:prstGeom prst="straightConnector1">
@@ -3599,8 +3599,8 @@
         </p:nvSpPr>
         <p:spPr>
           <a:xfrm>
-            <a:off x="90179" y="5466407"/>
-            <a:ext cx="10065165" cy="1200329"/>
+            <a:off x="3272228" y="4780857"/>
+            <a:ext cx="6382412" cy="1200329"/>
           </a:xfrm>
           <a:prstGeom prst="rect">
             <a:avLst/>
@@ -3679,6 +3679,13 @@
   <p:clrMapOvr>
     <a:masterClrMapping/>
   </p:clrMapOvr>
+  <p:timing>
+    <p:tnLst>
+      <p:par>
+        <p:cTn id="1" dur="indefinite" restart="never" nodeType="tmRoot"/>
+      </p:par>
+    </p:tnLst>
+  </p:timing>
 </p:sld>
 </file>
 
@@ -4138,6 +4145,13 @@
   <p:clrMapOvr>
     <a:masterClrMapping/>
   </p:clrMapOvr>
+  <p:timing>
+    <p:tnLst>
+      <p:par>
+        <p:cTn id="1" dur="indefinite" restart="never" nodeType="tmRoot"/>
+      </p:par>
+    </p:tnLst>
+  </p:timing>
 </p:sld>
 </file>
 
@@ -4224,7 +4238,7 @@
         </p:nvSpPr>
         <p:spPr>
           <a:xfrm>
-            <a:off x="4036732" y="2095134"/>
+            <a:off x="5200518" y="2095134"/>
             <a:ext cx="2741271" cy="1160775"/>
           </a:xfrm>
           <a:prstGeom prst="rect">
@@ -4264,7 +4278,7 @@
         </p:nvSpPr>
         <p:spPr>
           <a:xfrm>
-            <a:off x="5864208" y="4030243"/>
+            <a:off x="7027994" y="4030243"/>
             <a:ext cx="1226916" cy="1055779"/>
           </a:xfrm>
           <a:prstGeom prst="flowChartMagneticDisk">
@@ -4308,8 +4322,8 @@
         </p:nvSpPr>
         <p:spPr>
           <a:xfrm>
-            <a:off x="144371" y="5257329"/>
-            <a:ext cx="9795275" cy="1477328"/>
+            <a:off x="2265930" y="5233347"/>
+            <a:ext cx="8298985" cy="1477328"/>
           </a:xfrm>
           <a:prstGeom prst="rect">
             <a:avLst/>
@@ -4428,7 +4442,7 @@
         </p:nvSpPr>
         <p:spPr>
           <a:xfrm>
-            <a:off x="3338574" y="3961725"/>
+            <a:off x="4502360" y="3961725"/>
             <a:ext cx="1226916" cy="1055779"/>
           </a:xfrm>
           <a:prstGeom prst="flowChartMagneticDisk">
@@ -4472,7 +4486,7 @@
         </p:nvSpPr>
         <p:spPr>
           <a:xfrm>
-            <a:off x="3750373" y="1798885"/>
+            <a:off x="4914159" y="1798885"/>
             <a:ext cx="2741271" cy="1160775"/>
           </a:xfrm>
           <a:prstGeom prst="rect">
@@ -4512,7 +4526,7 @@
         </p:nvSpPr>
         <p:spPr>
           <a:xfrm>
-            <a:off x="3464014" y="1541491"/>
+            <a:off x="4627800" y="1541491"/>
             <a:ext cx="2741271" cy="1155264"/>
           </a:xfrm>
           <a:prstGeom prst="rect">
@@ -4562,7 +4576,7 @@
         </p:nvSpPr>
         <p:spPr>
           <a:xfrm>
-            <a:off x="298751" y="1401431"/>
+            <a:off x="1462537" y="1401431"/>
             <a:ext cx="1805049" cy="1457024"/>
           </a:xfrm>
           <a:prstGeom prst="flowChartMultidocument">
@@ -4609,7 +4623,7 @@
         </p:nvCxnSpPr>
         <p:spPr>
           <a:xfrm flipH="1">
-            <a:off x="3952032" y="3255909"/>
+            <a:off x="5115818" y="3255909"/>
             <a:ext cx="1455336" cy="705816"/>
           </a:xfrm>
           <a:prstGeom prst="straightConnector1">
@@ -4646,7 +4660,7 @@
         </p:nvCxnSpPr>
         <p:spPr>
           <a:xfrm flipH="1" flipV="1">
-            <a:off x="5407368" y="3255909"/>
+            <a:off x="6571154" y="3255909"/>
             <a:ext cx="1070298" cy="774334"/>
           </a:xfrm>
           <a:prstGeom prst="straightConnector1">
@@ -4680,7 +4694,7 @@
         </p:nvSpPr>
         <p:spPr>
           <a:xfrm>
-            <a:off x="8333095" y="1957829"/>
+            <a:off x="9496881" y="1957829"/>
             <a:ext cx="1805049" cy="1457024"/>
           </a:xfrm>
           <a:prstGeom prst="flowChartMultidocument">
@@ -4727,7 +4741,7 @@
         </p:nvCxnSpPr>
         <p:spPr>
           <a:xfrm flipV="1">
-            <a:off x="2103800" y="2119123"/>
+            <a:off x="3267586" y="2119123"/>
             <a:ext cx="1360214" cy="10820"/>
           </a:xfrm>
           <a:prstGeom prst="straightConnector1">
@@ -4763,7 +4777,7 @@
         </p:nvCxnSpPr>
         <p:spPr>
           <a:xfrm>
-            <a:off x="6778003" y="2675522"/>
+            <a:off x="7941789" y="2675522"/>
             <a:ext cx="1555092" cy="10819"/>
           </a:xfrm>
           <a:prstGeom prst="straightConnector1">
@@ -4798,6 +4812,13 @@
   <p:clrMapOvr>
     <a:masterClrMapping/>
   </p:clrMapOvr>
+  <p:timing>
+    <p:tnLst>
+      <p:par>
+        <p:cTn id="1" dur="indefinite" restart="never" nodeType="tmRoot"/>
+      </p:par>
+    </p:tnLst>
+  </p:timing>
 </p:sld>
 </file>
 
@@ -4884,7 +4905,7 @@
         </p:nvSpPr>
         <p:spPr>
           <a:xfrm>
-            <a:off x="4036732" y="2095134"/>
+            <a:off x="4499868" y="2095134"/>
             <a:ext cx="2741271" cy="1160775"/>
           </a:xfrm>
           <a:prstGeom prst="rect">
@@ -4924,8 +4945,8 @@
         </p:nvSpPr>
         <p:spPr>
           <a:xfrm>
-            <a:off x="118753" y="4760784"/>
-            <a:ext cx="8360739" cy="2031325"/>
+            <a:off x="3378957" y="4837330"/>
+            <a:ext cx="5652655" cy="2031325"/>
           </a:xfrm>
           <a:prstGeom prst="rect">
             <a:avLst/>
@@ -5021,7 +5042,7 @@
         </p:nvSpPr>
         <p:spPr>
           <a:xfrm>
-            <a:off x="4793909" y="3639113"/>
+            <a:off x="5257045" y="3639113"/>
             <a:ext cx="1226916" cy="1055779"/>
           </a:xfrm>
           <a:prstGeom prst="flowChartMagneticDisk">
@@ -5065,7 +5086,7 @@
         </p:nvSpPr>
         <p:spPr>
           <a:xfrm>
-            <a:off x="3750373" y="1798885"/>
+            <a:off x="4213509" y="1798885"/>
             <a:ext cx="2741271" cy="1160775"/>
           </a:xfrm>
           <a:prstGeom prst="rect">
@@ -5105,7 +5126,7 @@
         </p:nvSpPr>
         <p:spPr>
           <a:xfrm>
-            <a:off x="3464014" y="1541491"/>
+            <a:off x="3927150" y="1541491"/>
             <a:ext cx="2741271" cy="1155264"/>
           </a:xfrm>
           <a:prstGeom prst="rect">
@@ -5148,7 +5169,7 @@
         </p:nvSpPr>
         <p:spPr>
           <a:xfrm>
-            <a:off x="298751" y="1401431"/>
+            <a:off x="761887" y="1401431"/>
             <a:ext cx="1805049" cy="1457024"/>
           </a:xfrm>
           <a:prstGeom prst="flowChartMultidocument">
@@ -5195,7 +5216,7 @@
         </p:nvCxnSpPr>
         <p:spPr>
           <a:xfrm flipH="1">
-            <a:off x="5407367" y="3255909"/>
+            <a:off x="5870503" y="3255909"/>
             <a:ext cx="1" cy="383204"/>
           </a:xfrm>
           <a:prstGeom prst="straightConnector1">
@@ -5232,7 +5253,7 @@
         </p:nvCxnSpPr>
         <p:spPr>
           <a:xfrm flipV="1">
-            <a:off x="2103800" y="2119123"/>
+            <a:off x="2566936" y="2119123"/>
             <a:ext cx="1360214" cy="10820"/>
           </a:xfrm>
           <a:prstGeom prst="straightConnector1">
@@ -5268,7 +5289,7 @@
         </p:nvCxnSpPr>
         <p:spPr>
           <a:xfrm flipV="1">
-            <a:off x="6778003" y="2672766"/>
+            <a:off x="7241139" y="2672766"/>
             <a:ext cx="1427006" cy="2756"/>
           </a:xfrm>
           <a:prstGeom prst="straightConnector1">
@@ -5301,7 +5322,7 @@
         </p:nvSpPr>
         <p:spPr>
           <a:xfrm>
-            <a:off x="8786013" y="2672766"/>
+            <a:off x="9249149" y="2672766"/>
             <a:ext cx="2741271" cy="1155264"/>
           </a:xfrm>
           <a:prstGeom prst="rect">
@@ -5341,7 +5362,7 @@
         </p:nvSpPr>
         <p:spPr>
           <a:xfrm>
-            <a:off x="8479492" y="2404633"/>
+            <a:off x="8942628" y="2404633"/>
             <a:ext cx="2741271" cy="1155264"/>
           </a:xfrm>
           <a:prstGeom prst="rect">
@@ -5381,7 +5402,7 @@
         </p:nvSpPr>
         <p:spPr>
           <a:xfrm>
-            <a:off x="8205009" y="2095134"/>
+            <a:off x="8668145" y="2095134"/>
             <a:ext cx="2741271" cy="1155264"/>
           </a:xfrm>
           <a:prstGeom prst="rect">
@@ -5426,6 +5447,13 @@
   <p:clrMapOvr>
     <a:masterClrMapping/>
   </p:clrMapOvr>
+  <p:timing>
+    <p:tnLst>
+      <p:par>
+        <p:cTn id="1" dur="indefinite" restart="never" nodeType="tmRoot"/>
+      </p:par>
+    </p:tnLst>
+  </p:timing>
 </p:sld>
 </file>
 
@@ -5512,7 +5540,7 @@
         </p:nvSpPr>
         <p:spPr>
           <a:xfrm>
-            <a:off x="4636444" y="2095134"/>
+            <a:off x="5016459" y="2249511"/>
             <a:ext cx="2741271" cy="1160775"/>
           </a:xfrm>
           <a:prstGeom prst="rect">
@@ -5552,7 +5580,7 @@
         </p:nvSpPr>
         <p:spPr>
           <a:xfrm>
-            <a:off x="5393621" y="4680313"/>
+            <a:off x="5773636" y="4300304"/>
             <a:ext cx="1226916" cy="1055779"/>
           </a:xfrm>
           <a:prstGeom prst="flowChartMagneticDisk">
@@ -5596,7 +5624,7 @@
         </p:nvSpPr>
         <p:spPr>
           <a:xfrm>
-            <a:off x="4350085" y="1798885"/>
+            <a:off x="4730100" y="1953262"/>
             <a:ext cx="2741271" cy="1160775"/>
           </a:xfrm>
           <a:prstGeom prst="rect">
@@ -5636,7 +5664,7 @@
         </p:nvSpPr>
         <p:spPr>
           <a:xfrm>
-            <a:off x="4063726" y="1541491"/>
+            <a:off x="4443741" y="1695868"/>
             <a:ext cx="2741271" cy="1155264"/>
           </a:xfrm>
           <a:prstGeom prst="rect">
@@ -5682,8 +5710,8 @@
         </p:nvCxnSpPr>
         <p:spPr>
           <a:xfrm flipH="1">
-            <a:off x="6007079" y="3255909"/>
-            <a:ext cx="1" cy="1424404"/>
+            <a:off x="6387094" y="3410286"/>
+            <a:ext cx="1" cy="890018"/>
           </a:xfrm>
           <a:prstGeom prst="straightConnector1">
             <a:avLst/>
@@ -5719,7 +5747,7 @@
         </p:nvCxnSpPr>
         <p:spPr>
           <a:xfrm flipV="1">
-            <a:off x="7377715" y="2672766"/>
+            <a:off x="7757730" y="2827143"/>
             <a:ext cx="827294" cy="2756"/>
           </a:xfrm>
           <a:prstGeom prst="straightConnector1">
@@ -5752,7 +5780,7 @@
         </p:nvSpPr>
         <p:spPr>
           <a:xfrm>
-            <a:off x="8786013" y="2672766"/>
+            <a:off x="9166028" y="2827143"/>
             <a:ext cx="2741271" cy="1155264"/>
           </a:xfrm>
           <a:prstGeom prst="rect">
@@ -5792,7 +5820,7 @@
         </p:nvSpPr>
         <p:spPr>
           <a:xfrm>
-            <a:off x="8479492" y="2404633"/>
+            <a:off x="8859507" y="2559010"/>
             <a:ext cx="2741271" cy="1155264"/>
           </a:xfrm>
           <a:prstGeom prst="rect">
@@ -5832,7 +5860,7 @@
         </p:nvSpPr>
         <p:spPr>
           <a:xfrm>
-            <a:off x="8205009" y="2095134"/>
+            <a:off x="8585024" y="2249511"/>
             <a:ext cx="2741271" cy="1155264"/>
           </a:xfrm>
           <a:prstGeom prst="rect">
@@ -5875,7 +5903,7 @@
         </p:nvSpPr>
         <p:spPr>
           <a:xfrm>
-            <a:off x="494338" y="1556135"/>
+            <a:off x="874353" y="1710512"/>
             <a:ext cx="2741271" cy="1155264"/>
           </a:xfrm>
           <a:prstGeom prst="rect">
@@ -5921,7 +5949,7 @@
         </p:nvCxnSpPr>
         <p:spPr>
           <a:xfrm flipV="1">
-            <a:off x="3235609" y="2119123"/>
+            <a:off x="3615624" y="2273500"/>
             <a:ext cx="828117" cy="14644"/>
           </a:xfrm>
           <a:prstGeom prst="straightConnector1">
@@ -5956,6 +5984,13 @@
   <p:clrMapOvr>
     <a:masterClrMapping/>
   </p:clrMapOvr>
+  <p:timing>
+    <p:tnLst>
+      <p:par>
+        <p:cTn id="1" dur="indefinite" restart="never" nodeType="tmRoot"/>
+      </p:par>
+    </p:tnLst>
+  </p:timing>
 </p:sld>
 </file>
 
@@ -6042,7 +6077,7 @@
         </p:nvSpPr>
         <p:spPr>
           <a:xfrm>
-            <a:off x="148020" y="4454203"/>
+            <a:off x="3216927" y="4190195"/>
             <a:ext cx="2025657" cy="2308324"/>
           </a:xfrm>
           <a:prstGeom prst="rect">
@@ -6121,7 +6156,7 @@
         </p:nvSpPr>
         <p:spPr>
           <a:xfrm>
-            <a:off x="5393621" y="3469033"/>
+            <a:off x="7780561" y="3896542"/>
             <a:ext cx="1226916" cy="1055779"/>
           </a:xfrm>
           <a:prstGeom prst="flowChartMagneticDisk">
@@ -6165,7 +6200,7 @@
         </p:nvSpPr>
         <p:spPr>
           <a:xfrm>
-            <a:off x="4063726" y="1541491"/>
+            <a:off x="6462541" y="1969000"/>
             <a:ext cx="2741271" cy="1155264"/>
           </a:xfrm>
           <a:prstGeom prst="rect">
@@ -6205,13 +6240,12 @@
           <p:cNvPr id="20" name="Straight Arrow Connector 19"/>
           <p:cNvCxnSpPr>
             <a:stCxn id="38" idx="2"/>
-            <a:endCxn id="16" idx="1"/>
           </p:cNvCxnSpPr>
           <p:nvPr/>
         </p:nvCxnSpPr>
         <p:spPr>
           <a:xfrm>
-            <a:off x="5434362" y="2696755"/>
+            <a:off x="7833177" y="3124264"/>
             <a:ext cx="572717" cy="772278"/>
           </a:xfrm>
           <a:prstGeom prst="straightConnector1">
@@ -6245,7 +6279,7 @@
         </p:nvSpPr>
         <p:spPr>
           <a:xfrm>
-            <a:off x="536249" y="1234173"/>
+            <a:off x="2935064" y="1661682"/>
             <a:ext cx="1638794" cy="1721922"/>
           </a:xfrm>
           <a:prstGeom prst="cloudCallout">
@@ -6289,7 +6323,7 @@
         </p:nvCxnSpPr>
         <p:spPr>
           <a:xfrm>
-            <a:off x="2173677" y="2071145"/>
+            <a:off x="4572492" y="2498654"/>
             <a:ext cx="1890049" cy="23989"/>
           </a:xfrm>
           <a:prstGeom prst="straightConnector1">
@@ -6322,7 +6356,7 @@
         </p:nvSpPr>
         <p:spPr>
           <a:xfrm>
-            <a:off x="3598979" y="3484524"/>
+            <a:off x="5985919" y="3912033"/>
             <a:ext cx="1226916" cy="1055779"/>
           </a:xfrm>
           <a:prstGeom prst="flowChartMagneticDisk">
@@ -6363,13 +6397,12 @@
           <p:cNvPr id="23" name="Straight Arrow Connector 22"/>
           <p:cNvCxnSpPr>
             <a:stCxn id="38" idx="2"/>
-            <a:endCxn id="22" idx="1"/>
           </p:cNvCxnSpPr>
           <p:nvPr/>
         </p:nvCxnSpPr>
         <p:spPr>
           <a:xfrm flipH="1">
-            <a:off x="4212437" y="2696755"/>
+            <a:off x="6611252" y="3124264"/>
             <a:ext cx="1221925" cy="787769"/>
           </a:xfrm>
           <a:prstGeom prst="straightConnector1">
@@ -6403,7 +6436,7 @@
         </p:nvCxnSpPr>
         <p:spPr>
           <a:xfrm flipH="1" flipV="1">
-            <a:off x="2075842" y="2320762"/>
+            <a:off x="4474657" y="2748271"/>
             <a:ext cx="1987884" cy="8689"/>
           </a:xfrm>
           <a:prstGeom prst="straightConnector1">
@@ -6438,6 +6471,13 @@
   <p:clrMapOvr>
     <a:masterClrMapping/>
   </p:clrMapOvr>
+  <p:timing>
+    <p:tnLst>
+      <p:par>
+        <p:cTn id="1" dur="indefinite" restart="never" nodeType="tmRoot"/>
+      </p:par>
+    </p:tnLst>
+  </p:timing>
 </p:sld>
 </file>
 
@@ -6493,7 +6533,9 @@
         </p:nvSpPr>
         <p:spPr/>
         <p:txBody>
-          <a:bodyPr/>
+          <a:bodyPr>
+            <a:normAutofit lnSpcReduction="10000"/>
+          </a:bodyPr>
           <a:lstStyle/>
           <a:p>
             <a:r>
@@ -6506,11 +6548,7 @@
             </a:r>
             <a:r>
               <a:rPr lang="en-US" dirty="0"/>
-              <a:t>: </a:t>
-            </a:r>
-            <a:r>
-              <a:rPr lang="en-US" dirty="0"/>
-              <a:t>https://</a:t>
+              <a:t>: https://</a:t>
             </a:r>
             <a:r>
               <a:rPr lang="en-US" dirty="0" err="1"/>
@@ -6564,8 +6602,33 @@
           </a:p>
           <a:p>
             <a:r>
+              <a:rPr lang="en-US" dirty="0" smtClean="0"/>
+              <a:t>Repeat till empty element returned.</a:t>
+            </a:r>
+          </a:p>
+          <a:p>
+            <a:r>
+              <a:rPr lang="en-US" dirty="0" smtClean="0"/>
+              <a:t>The product list </a:t>
+            </a:r>
+            <a:r>
+              <a:rPr lang="en-US" dirty="0" err="1" smtClean="0"/>
+              <a:t>url</a:t>
+            </a:r>
+            <a:r>
+              <a:rPr lang="en-US" dirty="0" smtClean="0"/>
+              <a:t> for each category is in the following format:</a:t>
+            </a:r>
+          </a:p>
+          <a:p>
+            <a:pPr lvl="1"/>
+            <a:r>
+              <a:rPr lang="en-US" dirty="0" smtClean="0"/>
+              <a:t>https</a:t>
+            </a:r>
+            <a:r>
               <a:rPr lang="en-US" dirty="0"/>
-              <a:t>https://</a:t>
+              <a:t>://</a:t>
             </a:r>
             <a:r>
               <a:rPr lang="en-US" dirty="0" err="1"/>
@@ -6597,23 +6660,14 @@
             </a:r>
             <a:r>
               <a:rPr lang="en-US" dirty="0" smtClean="0"/>
-              <a:t>=$PAGE_NO, replace the </a:t>
-            </a:r>
-            <a:r>
-              <a:rPr lang="en-US" dirty="0" err="1" smtClean="0"/>
-              <a:t>search_alias</a:t>
-            </a:r>
-            <a:r>
-              <a:rPr lang="en-US" dirty="0" smtClean="0"/>
-              <a:t>, </a:t>
-            </a:r>
-            <a:r>
-              <a:rPr lang="en-US" dirty="0" err="1" smtClean="0"/>
-              <a:t>page_no</a:t>
-            </a:r>
-            <a:r>
-              <a:rPr lang="en-US" dirty="0" smtClean="0"/>
-              <a:t> with the desired $SEARCH_ALIAS and $PAGE_NO to search for. This is the product list </a:t>
+              <a:t>=$PAGE_NO, replace the $SEARCH_ALIAS with category name and $PAGE_NO with the desired product list.</a:t>
+            </a:r>
+          </a:p>
+          <a:p>
+            <a:pPr lvl="1"/>
+            <a:r>
+              <a:rPr lang="en-US" dirty="0" smtClean="0"/>
+              <a:t>Store the &lt;Category name, product list </a:t>
             </a:r>
             <a:r>
               <a:rPr lang="en-US" dirty="0" err="1" smtClean="0"/>
@@ -6621,10 +6675,8 @@
             </a:r>
             <a:r>
               <a:rPr lang="en-US" dirty="0" smtClean="0"/>
-              <a:t>.</a:t>
-            </a:r>
-          </a:p>
-          <a:p>
+              <a:t>&gt; into Category DB.</a:t>
+            </a:r>
             <a:endParaRPr lang="en-US" dirty="0"/>
           </a:p>
         </p:txBody>
@@ -6639,6 +6691,13 @@
   <p:clrMapOvr>
     <a:masterClrMapping/>
   </p:clrMapOvr>
+  <p:timing>
+    <p:tnLst>
+      <p:par>
+        <p:cTn id="1" dur="indefinite" restart="never" nodeType="tmRoot"/>
+      </p:par>
+    </p:tnLst>
+  </p:timing>
 </p:sld>
 </file>
 
@@ -6991,6 +7050,13 @@
   <p:clrMapOvr>
     <a:masterClrMapping/>
   </p:clrMapOvr>
+  <p:timing>
+    <p:tnLst>
+      <p:par>
+        <p:cTn id="1" dur="indefinite" restart="never" nodeType="tmRoot"/>
+      </p:par>
+    </p:tnLst>
+  </p:timing>
 </p:sld>
 </file>
 
